--- a/DS160_Final_Project_CMH.pptx
+++ b/DS160_Final_Project_CMH.pptx
@@ -14,11 +14,13 @@
     <p:sldId id="262" r:id="rId8"/>
     <p:sldId id="263" r:id="rId9"/>
     <p:sldId id="264" r:id="rId10"/>
-    <p:sldId id="265" r:id="rId11"/>
-    <p:sldId id="266" r:id="rId12"/>
-    <p:sldId id="267" r:id="rId13"/>
-    <p:sldId id="268" r:id="rId14"/>
-    <p:sldId id="269" r:id="rId15"/>
+    <p:sldId id="271" r:id="rId11"/>
+    <p:sldId id="270" r:id="rId12"/>
+    <p:sldId id="265" r:id="rId13"/>
+    <p:sldId id="266" r:id="rId14"/>
+    <p:sldId id="267" r:id="rId15"/>
+    <p:sldId id="268" r:id="rId16"/>
+    <p:sldId id="269" r:id="rId17"/>
   </p:sldIdLst>
   <p:sldSz cx="12192000" cy="6858000"/>
   <p:notesSz cx="6858000" cy="9144000"/>
@@ -128,7 +130,7 @@
 <file path=ppt/revisionInfo.xml><?xml version="1.0" encoding="utf-8"?>
 <p1510:revInfo xmlns:a="http://schemas.openxmlformats.org/drawingml/2006/main" xmlns:r="http://schemas.openxmlformats.org/officeDocument/2006/relationships" xmlns:p1510="http://schemas.microsoft.com/office/powerpoint/2015/10/main">
   <p1510:revLst>
-    <p1510:client id="{220AC008-6334-4A63-BEE6-49DA55B7B527}" v="43" dt="2025-05-01T03:24:50.857"/>
+    <p1510:client id="{220AC008-6334-4A63-BEE6-49DA55B7B527}" v="64" dt="2025-05-01T13:39:08.821"/>
   </p1510:revLst>
 </p1510:revInfo>
 </file>
@@ -137,8 +139,8 @@
 <pc:chgInfo xmlns:a="http://schemas.openxmlformats.org/drawingml/2006/main" xmlns:r="http://schemas.openxmlformats.org/officeDocument/2006/relationships" xmlns:ac="http://schemas.microsoft.com/office/drawing/2013/main/command" xmlns:pc="http://schemas.microsoft.com/office/powerpoint/2013/main/command">
   <pc:docChgLst>
     <pc:chgData name="Cason M. Henderson" userId="e04477ab-529e-45c5-8d43-0cddff9020ee" providerId="ADAL" clId="{220AC008-6334-4A63-BEE6-49DA55B7B527}"/>
-    <pc:docChg chg="undo custSel addSld delSld modSld">
-      <pc:chgData name="Cason M. Henderson" userId="e04477ab-529e-45c5-8d43-0cddff9020ee" providerId="ADAL" clId="{220AC008-6334-4A63-BEE6-49DA55B7B527}" dt="2025-05-01T03:28:04.193" v="1329" actId="20577"/>
+    <pc:docChg chg="undo custSel addSld delSld modSld sldOrd">
+      <pc:chgData name="Cason M. Henderson" userId="e04477ab-529e-45c5-8d43-0cddff9020ee" providerId="ADAL" clId="{220AC008-6334-4A63-BEE6-49DA55B7B527}" dt="2025-05-01T13:40:16.004" v="1557" actId="20577"/>
       <pc:docMkLst>
         <pc:docMk/>
       </pc:docMkLst>
@@ -446,13 +448,13 @@
         </pc:picChg>
       </pc:sldChg>
       <pc:sldChg chg="addSp delSp modSp new mod modClrScheme chgLayout">
-        <pc:chgData name="Cason M. Henderson" userId="e04477ab-529e-45c5-8d43-0cddff9020ee" providerId="ADAL" clId="{220AC008-6334-4A63-BEE6-49DA55B7B527}" dt="2025-05-01T03:24:55.942" v="1301" actId="1076"/>
+        <pc:chgData name="Cason M. Henderson" userId="e04477ab-529e-45c5-8d43-0cddff9020ee" providerId="ADAL" clId="{220AC008-6334-4A63-BEE6-49DA55B7B527}" dt="2025-05-01T13:33:44.189" v="1400" actId="20577"/>
         <pc:sldMkLst>
           <pc:docMk/>
           <pc:sldMk cId="1394565212" sldId="263"/>
         </pc:sldMkLst>
         <pc:spChg chg="mod">
-          <ac:chgData name="Cason M. Henderson" userId="e04477ab-529e-45c5-8d43-0cddff9020ee" providerId="ADAL" clId="{220AC008-6334-4A63-BEE6-49DA55B7B527}" dt="2025-05-01T03:24:55.942" v="1301" actId="1076"/>
+          <ac:chgData name="Cason M. Henderson" userId="e04477ab-529e-45c5-8d43-0cddff9020ee" providerId="ADAL" clId="{220AC008-6334-4A63-BEE6-49DA55B7B527}" dt="2025-05-01T13:33:13.146" v="1381" actId="14100"/>
           <ac:spMkLst>
             <pc:docMk/>
             <pc:sldMk cId="1394565212" sldId="263"/>
@@ -484,7 +486,7 @@
           </ac:spMkLst>
         </pc:spChg>
         <pc:graphicFrameChg chg="add mod">
-          <ac:chgData name="Cason M. Henderson" userId="e04477ab-529e-45c5-8d43-0cddff9020ee" providerId="ADAL" clId="{220AC008-6334-4A63-BEE6-49DA55B7B527}" dt="2025-05-01T03:24:50.854" v="1300" actId="20577"/>
+          <ac:chgData name="Cason M. Henderson" userId="e04477ab-529e-45c5-8d43-0cddff9020ee" providerId="ADAL" clId="{220AC008-6334-4A63-BEE6-49DA55B7B527}" dt="2025-05-01T13:33:44.189" v="1400" actId="20577"/>
           <ac:graphicFrameMkLst>
             <pc:docMk/>
             <pc:sldMk cId="1394565212" sldId="263"/>
@@ -493,7 +495,7 @@
         </pc:graphicFrameChg>
       </pc:sldChg>
       <pc:sldChg chg="modSp new mod">
-        <pc:chgData name="Cason M. Henderson" userId="e04477ab-529e-45c5-8d43-0cddff9020ee" providerId="ADAL" clId="{220AC008-6334-4A63-BEE6-49DA55B7B527}" dt="2025-05-01T03:23:40.373" v="1278" actId="255"/>
+        <pc:chgData name="Cason M. Henderson" userId="e04477ab-529e-45c5-8d43-0cddff9020ee" providerId="ADAL" clId="{220AC008-6334-4A63-BEE6-49DA55B7B527}" dt="2025-05-01T13:40:16.004" v="1557" actId="20577"/>
         <pc:sldMkLst>
           <pc:docMk/>
           <pc:sldMk cId="1187310424" sldId="264"/>
@@ -507,7 +509,7 @@
           </ac:spMkLst>
         </pc:spChg>
         <pc:spChg chg="mod">
-          <ac:chgData name="Cason M. Henderson" userId="e04477ab-529e-45c5-8d43-0cddff9020ee" providerId="ADAL" clId="{220AC008-6334-4A63-BEE6-49DA55B7B527}" dt="2025-05-01T03:23:40.373" v="1278" actId="255"/>
+          <ac:chgData name="Cason M. Henderson" userId="e04477ab-529e-45c5-8d43-0cddff9020ee" providerId="ADAL" clId="{220AC008-6334-4A63-BEE6-49DA55B7B527}" dt="2025-05-01T13:40:16.004" v="1557" actId="20577"/>
           <ac:spMkLst>
             <pc:docMk/>
             <pc:sldMk cId="1187310424" sldId="264"/>
@@ -669,6 +671,59 @@
           </ac:spMkLst>
         </pc:spChg>
       </pc:sldChg>
+      <pc:sldChg chg="addSp modSp new mod modClrScheme chgLayout">
+        <pc:chgData name="Cason M. Henderson" userId="e04477ab-529e-45c5-8d43-0cddff9020ee" providerId="ADAL" clId="{220AC008-6334-4A63-BEE6-49DA55B7B527}" dt="2025-05-01T13:38:10.338" v="1521" actId="14100"/>
+        <pc:sldMkLst>
+          <pc:docMk/>
+          <pc:sldMk cId="2746626455" sldId="270"/>
+        </pc:sldMkLst>
+        <pc:spChg chg="mod">
+          <ac:chgData name="Cason M. Henderson" userId="e04477ab-529e-45c5-8d43-0cddff9020ee" providerId="ADAL" clId="{220AC008-6334-4A63-BEE6-49DA55B7B527}" dt="2025-05-01T13:38:07.388" v="1520" actId="26606"/>
+          <ac:spMkLst>
+            <pc:docMk/>
+            <pc:sldMk cId="2746626455" sldId="270"/>
+            <ac:spMk id="2" creationId="{C72963D8-FAF9-BB9E-6358-58A6CB41570C}"/>
+          </ac:spMkLst>
+        </pc:spChg>
+        <pc:picChg chg="add mod">
+          <ac:chgData name="Cason M. Henderson" userId="e04477ab-529e-45c5-8d43-0cddff9020ee" providerId="ADAL" clId="{220AC008-6334-4A63-BEE6-49DA55B7B527}" dt="2025-05-01T13:38:10.338" v="1521" actId="14100"/>
+          <ac:picMkLst>
+            <pc:docMk/>
+            <pc:sldMk cId="2746626455" sldId="270"/>
+            <ac:picMk id="4" creationId="{A33E3DB0-B923-C797-F335-28924679CA81}"/>
+          </ac:picMkLst>
+        </pc:picChg>
+      </pc:sldChg>
+      <pc:sldChg chg="addSp modSp new mod ord modClrScheme chgLayout">
+        <pc:chgData name="Cason M. Henderson" userId="e04477ab-529e-45c5-8d43-0cddff9020ee" providerId="ADAL" clId="{220AC008-6334-4A63-BEE6-49DA55B7B527}" dt="2025-05-01T13:40:00.880" v="1546"/>
+        <pc:sldMkLst>
+          <pc:docMk/>
+          <pc:sldMk cId="2540720194" sldId="271"/>
+        </pc:sldMkLst>
+        <pc:spChg chg="mod">
+          <ac:chgData name="Cason M. Henderson" userId="e04477ab-529e-45c5-8d43-0cddff9020ee" providerId="ADAL" clId="{220AC008-6334-4A63-BEE6-49DA55B7B527}" dt="2025-05-01T13:39:10.428" v="1543" actId="26606"/>
+          <ac:spMkLst>
+            <pc:docMk/>
+            <pc:sldMk cId="2540720194" sldId="271"/>
+            <ac:spMk id="2" creationId="{6626950C-A062-9BCE-0EAE-348EE74E69E3}"/>
+          </ac:spMkLst>
+        </pc:spChg>
+        <pc:picChg chg="add mod">
+          <ac:chgData name="Cason M. Henderson" userId="e04477ab-529e-45c5-8d43-0cddff9020ee" providerId="ADAL" clId="{220AC008-6334-4A63-BEE6-49DA55B7B527}" dt="2025-05-01T13:39:14.033" v="1544" actId="14100"/>
+          <ac:picMkLst>
+            <pc:docMk/>
+            <pc:sldMk cId="2540720194" sldId="271"/>
+            <ac:picMk id="4" creationId="{25434BFD-B295-E1A9-4100-AADE52E43938}"/>
+          </ac:picMkLst>
+        </pc:picChg>
+      </pc:sldChg>
+      <pc:sldChg chg="new del">
+        <pc:chgData name="Cason M. Henderson" userId="e04477ab-529e-45c5-8d43-0cddff9020ee" providerId="ADAL" clId="{220AC008-6334-4A63-BEE6-49DA55B7B527}" dt="2025-05-01T13:38:58.944" v="1541" actId="47"/>
+        <pc:sldMkLst>
+          <pc:docMk/>
+          <pc:sldMk cId="3463997504" sldId="272"/>
+        </pc:sldMkLst>
+      </pc:sldChg>
     </pc:docChg>
   </pc:docChgLst>
 </pc:chgInfo>
@@ -2550,7 +2605,7 @@
         <a:p>
           <a:r>
             <a:rPr lang="en-US" dirty="0"/>
-            <a:t>Models used: Random Forest, Support Vector Machine, Logistic Regression, Gradient</a:t>
+            <a:t>Models used: Random Forest, Support Vector Machine, Logistic Regression, Gradient, Linear Regression</a:t>
           </a:r>
         </a:p>
       </dgm:t>
@@ -2585,7 +2640,7 @@
         <a:lstStyle/>
         <a:p>
           <a:r>
-            <a:rPr lang="en-US"/>
+            <a:rPr lang="en-US" dirty="0"/>
             <a:t>Train/Test Splits: 70/30 and 80/20 splits across models.</a:t>
           </a:r>
         </a:p>
@@ -3165,8 +3220,8 @@
       </dsp:nvSpPr>
       <dsp:spPr>
         <a:xfrm>
-          <a:off x="0" y="43931"/>
-          <a:ext cx="6172199" cy="1539573"/>
+          <a:off x="0" y="291471"/>
+          <a:ext cx="6172199" cy="1380307"/>
         </a:xfrm>
         <a:prstGeom prst="roundRect">
           <a:avLst/>
@@ -3235,12 +3290,12 @@
         </a:fontRef>
       </dsp:style>
       <dsp:txBody>
-        <a:bodyPr spcFirstLastPara="0" vert="horz" wrap="square" lIns="110490" tIns="110490" rIns="110490" bIns="110490" numCol="1" spcCol="1270" anchor="ctr" anchorCtr="0">
+        <a:bodyPr spcFirstLastPara="0" vert="horz" wrap="square" lIns="99060" tIns="99060" rIns="99060" bIns="99060" numCol="1" spcCol="1270" anchor="ctr" anchorCtr="0">
           <a:noAutofit/>
         </a:bodyPr>
         <a:lstStyle/>
         <a:p>
-          <a:pPr marL="0" lvl="0" indent="0" algn="l" defTabSz="1289050">
+          <a:pPr marL="0" lvl="0" indent="0" algn="l" defTabSz="1155700">
             <a:lnSpc>
               <a:spcPct val="90000"/>
             </a:lnSpc>
@@ -3253,14 +3308,14 @@
             <a:buNone/>
           </a:pPr>
           <a:r>
-            <a:rPr lang="en-US" sz="2900" kern="1200" dirty="0"/>
+            <a:rPr lang="en-US" sz="2600" kern="1200" dirty="0"/>
             <a:t>Data Prep: Imputation, normalization, variable renaming.</a:t>
           </a:r>
         </a:p>
       </dsp:txBody>
       <dsp:txXfrm>
-        <a:off x="75156" y="119087"/>
-        <a:ext cx="6021887" cy="1389261"/>
+        <a:off x="67381" y="358852"/>
+        <a:ext cx="6037437" cy="1245545"/>
       </dsp:txXfrm>
     </dsp:sp>
     <dsp:sp modelId="{72392AA5-C17B-4F6A-8C3A-93DA910CCB29}">
@@ -3270,8 +3325,8 @@
       </dsp:nvSpPr>
       <dsp:spPr>
         <a:xfrm>
-          <a:off x="0" y="1667025"/>
-          <a:ext cx="6172199" cy="1539573"/>
+          <a:off x="0" y="1746658"/>
+          <a:ext cx="6172199" cy="1380307"/>
         </a:xfrm>
         <a:prstGeom prst="roundRect">
           <a:avLst/>
@@ -3340,12 +3395,12 @@
         </a:fontRef>
       </dsp:style>
       <dsp:txBody>
-        <a:bodyPr spcFirstLastPara="0" vert="horz" wrap="square" lIns="110490" tIns="110490" rIns="110490" bIns="110490" numCol="1" spcCol="1270" anchor="ctr" anchorCtr="0">
+        <a:bodyPr spcFirstLastPara="0" vert="horz" wrap="square" lIns="99060" tIns="99060" rIns="99060" bIns="99060" numCol="1" spcCol="1270" anchor="ctr" anchorCtr="0">
           <a:noAutofit/>
         </a:bodyPr>
         <a:lstStyle/>
         <a:p>
-          <a:pPr marL="0" lvl="0" indent="0" algn="l" defTabSz="1289050">
+          <a:pPr marL="0" lvl="0" indent="0" algn="l" defTabSz="1155700">
             <a:lnSpc>
               <a:spcPct val="90000"/>
             </a:lnSpc>
@@ -3358,14 +3413,14 @@
             <a:buNone/>
           </a:pPr>
           <a:r>
-            <a:rPr lang="en-US" sz="2900" kern="1200" dirty="0"/>
-            <a:t>Models used: Random Forest, Support Vector Machine, Logistic Regression, Gradient</a:t>
+            <a:rPr lang="en-US" sz="2600" kern="1200" dirty="0"/>
+            <a:t>Models used: Random Forest, Support Vector Machine, Logistic Regression, Gradient, Linear Regression</a:t>
           </a:r>
         </a:p>
       </dsp:txBody>
       <dsp:txXfrm>
-        <a:off x="75156" y="1742181"/>
-        <a:ext cx="6021887" cy="1389261"/>
+        <a:off x="67381" y="1814039"/>
+        <a:ext cx="6037437" cy="1245545"/>
       </dsp:txXfrm>
     </dsp:sp>
     <dsp:sp modelId="{DBA52CA0-68B0-4519-A13A-4B559716E4C2}">
@@ -3375,8 +3430,8 @@
       </dsp:nvSpPr>
       <dsp:spPr>
         <a:xfrm>
-          <a:off x="0" y="3290119"/>
-          <a:ext cx="6172199" cy="1539573"/>
+          <a:off x="0" y="3201846"/>
+          <a:ext cx="6172199" cy="1380307"/>
         </a:xfrm>
         <a:prstGeom prst="roundRect">
           <a:avLst/>
@@ -3445,12 +3500,12 @@
         </a:fontRef>
       </dsp:style>
       <dsp:txBody>
-        <a:bodyPr spcFirstLastPara="0" vert="horz" wrap="square" lIns="110490" tIns="110490" rIns="110490" bIns="110490" numCol="1" spcCol="1270" anchor="ctr" anchorCtr="0">
+        <a:bodyPr spcFirstLastPara="0" vert="horz" wrap="square" lIns="99060" tIns="99060" rIns="99060" bIns="99060" numCol="1" spcCol="1270" anchor="ctr" anchorCtr="0">
           <a:noAutofit/>
         </a:bodyPr>
         <a:lstStyle/>
         <a:p>
-          <a:pPr marL="0" lvl="0" indent="0" algn="l" defTabSz="1289050">
+          <a:pPr marL="0" lvl="0" indent="0" algn="l" defTabSz="1155700">
             <a:lnSpc>
               <a:spcPct val="90000"/>
             </a:lnSpc>
@@ -3463,14 +3518,14 @@
             <a:buNone/>
           </a:pPr>
           <a:r>
-            <a:rPr lang="en-US" sz="2900" kern="1200"/>
+            <a:rPr lang="en-US" sz="2600" kern="1200" dirty="0"/>
             <a:t>Train/Test Splits: 70/30 and 80/20 splits across models.</a:t>
           </a:r>
         </a:p>
       </dsp:txBody>
       <dsp:txXfrm>
-        <a:off x="75156" y="3365275"/>
-        <a:ext cx="6021887" cy="1389261"/>
+        <a:off x="67381" y="3269227"/>
+        <a:ext cx="6037437" cy="1245545"/>
       </dsp:txXfrm>
     </dsp:sp>
   </dsp:spTree>
@@ -6160,7 +6215,7 @@
           <a:p>
             <a:fld id="{C171DC17-4A50-5F49-AEC7-C955C81B92E5}" type="datetimeFigureOut">
               <a:rPr lang="en-US" smtClean="0"/>
-              <a:t>4/30/2025</a:t>
+              <a:t>5/1/2025</a:t>
             </a:fld>
             <a:endParaRPr lang="en-US"/>
           </a:p>
@@ -6477,7 +6532,7 @@
           <a:p>
             <a:fld id="{C171DC17-4A50-5F49-AEC7-C955C81B92E5}" type="datetimeFigureOut">
               <a:rPr lang="en-US" smtClean="0"/>
-              <a:t>4/30/2025</a:t>
+              <a:t>5/1/2025</a:t>
             </a:fld>
             <a:endParaRPr lang="en-US"/>
           </a:p>
@@ -6675,7 +6730,7 @@
           <a:p>
             <a:fld id="{C171DC17-4A50-5F49-AEC7-C955C81B92E5}" type="datetimeFigureOut">
               <a:rPr lang="en-US" smtClean="0"/>
-              <a:t>4/30/2025</a:t>
+              <a:t>5/1/2025</a:t>
             </a:fld>
             <a:endParaRPr lang="en-US"/>
           </a:p>
@@ -6883,7 +6938,7 @@
           <a:p>
             <a:fld id="{C171DC17-4A50-5F49-AEC7-C955C81B92E5}" type="datetimeFigureOut">
               <a:rPr lang="en-US" smtClean="0"/>
-              <a:t>4/30/2025</a:t>
+              <a:t>5/1/2025</a:t>
             </a:fld>
             <a:endParaRPr lang="en-US"/>
           </a:p>
@@ -7126,7 +7181,7 @@
           <a:p>
             <a:fld id="{C171DC17-4A50-5F49-AEC7-C955C81B92E5}" type="datetimeFigureOut">
               <a:rPr lang="en-US" smtClean="0"/>
-              <a:t>4/30/2025</a:t>
+              <a:t>5/1/2025</a:t>
             </a:fld>
             <a:endParaRPr lang="en-US"/>
           </a:p>
@@ -7353,7 +7408,7 @@
           <a:p>
             <a:fld id="{C171DC17-4A50-5F49-AEC7-C955C81B92E5}" type="datetimeFigureOut">
               <a:rPr lang="en-US" smtClean="0"/>
-              <a:t>4/30/2025</a:t>
+              <a:t>5/1/2025</a:t>
             </a:fld>
             <a:endParaRPr lang="en-US"/>
           </a:p>
@@ -7635,7 +7690,7 @@
           <a:p>
             <a:fld id="{C171DC17-4A50-5F49-AEC7-C955C81B92E5}" type="datetimeFigureOut">
               <a:rPr lang="en-US" smtClean="0"/>
-              <a:t>4/30/2025</a:t>
+              <a:t>5/1/2025</a:t>
             </a:fld>
             <a:endParaRPr lang="en-US"/>
           </a:p>
@@ -7929,7 +7984,7 @@
           <a:p>
             <a:fld id="{C171DC17-4A50-5F49-AEC7-C955C81B92E5}" type="datetimeFigureOut">
               <a:rPr lang="en-US" smtClean="0"/>
-              <a:t>4/30/2025</a:t>
+              <a:t>5/1/2025</a:t>
             </a:fld>
             <a:endParaRPr lang="en-US"/>
           </a:p>
@@ -8341,7 +8396,7 @@
           <a:p>
             <a:fld id="{C171DC17-4A50-5F49-AEC7-C955C81B92E5}" type="datetimeFigureOut">
               <a:rPr lang="en-US" smtClean="0"/>
-              <a:t>4/30/2025</a:t>
+              <a:t>5/1/2025</a:t>
             </a:fld>
             <a:endParaRPr lang="en-US"/>
           </a:p>
@@ -8482,7 +8537,7 @@
           <a:p>
             <a:fld id="{C171DC17-4A50-5F49-AEC7-C955C81B92E5}" type="datetimeFigureOut">
               <a:rPr lang="en-US" smtClean="0"/>
-              <a:t>4/30/2025</a:t>
+              <a:t>5/1/2025</a:t>
             </a:fld>
             <a:endParaRPr lang="en-US"/>
           </a:p>
@@ -8595,7 +8650,7 @@
           <a:p>
             <a:fld id="{C171DC17-4A50-5F49-AEC7-C955C81B92E5}" type="datetimeFigureOut">
               <a:rPr lang="en-US" smtClean="0"/>
-              <a:t>4/30/2025</a:t>
+              <a:t>5/1/2025</a:t>
             </a:fld>
             <a:endParaRPr lang="en-US"/>
           </a:p>
@@ -8906,7 +8961,7 @@
           <a:p>
             <a:fld id="{C171DC17-4A50-5F49-AEC7-C955C81B92E5}" type="datetimeFigureOut">
               <a:rPr lang="en-US" smtClean="0"/>
-              <a:t>4/30/2025</a:t>
+              <a:t>5/1/2025</a:t>
             </a:fld>
             <a:endParaRPr lang="en-US"/>
           </a:p>
@@ -9195,7 +9250,7 @@
             <a:fld id="{C171DC17-4A50-5F49-AEC7-C955C81B92E5}" type="datetimeFigureOut">
               <a:rPr lang="en-US" smtClean="0"/>
               <a:pPr/>
-              <a:t>4/30/2025</a:t>
+              <a:t>5/1/2025</a:t>
             </a:fld>
             <a:endParaRPr lang="en-US" dirty="0"/>
           </a:p>
@@ -9752,6 +9807,198 @@
           <p:cNvPr id="2" name="Title 1">
             <a:extLst>
               <a:ext uri="{FF2B5EF4-FFF2-40B4-BE49-F238E27FC236}">
+                <a16:creationId xmlns:a16="http://schemas.microsoft.com/office/drawing/2014/main" id="{6626950C-A062-9BCE-0EAE-348EE74E69E3}"/>
+              </a:ext>
+            </a:extLst>
+          </p:cNvPr>
+          <p:cNvSpPr>
+            <a:spLocks noGrp="1"/>
+          </p:cNvSpPr>
+          <p:nvPr>
+            <p:ph type="title"/>
+          </p:nvPr>
+        </p:nvSpPr>
+        <p:spPr>
+          <a:xfrm>
+            <a:off x="838200" y="365129"/>
+            <a:ext cx="10515600" cy="1325563"/>
+          </a:xfrm>
+        </p:spPr>
+        <p:txBody>
+          <a:bodyPr anchor="ctr">
+            <a:normAutofit/>
+          </a:bodyPr>
+          <a:lstStyle/>
+          <a:p>
+            <a:r>
+              <a:rPr lang="en-US" dirty="0"/>
+              <a:t>Linear Regression</a:t>
+            </a:r>
+          </a:p>
+        </p:txBody>
+      </p:sp>
+      <p:pic>
+        <p:nvPicPr>
+          <p:cNvPr id="4" name="Picture 3">
+            <a:extLst>
+              <a:ext uri="{FF2B5EF4-FFF2-40B4-BE49-F238E27FC236}">
+                <a16:creationId xmlns:a16="http://schemas.microsoft.com/office/drawing/2014/main" id="{25434BFD-B295-E1A9-4100-AADE52E43938}"/>
+              </a:ext>
+            </a:extLst>
+          </p:cNvPr>
+          <p:cNvPicPr>
+            <a:picLocks noChangeAspect="1"/>
+          </p:cNvPicPr>
+          <p:nvPr/>
+        </p:nvPicPr>
+        <p:blipFill>
+          <a:blip r:embed="rId2"/>
+          <a:stretch>
+            <a:fillRect/>
+          </a:stretch>
+        </p:blipFill>
+        <p:spPr>
+          <a:xfrm>
+            <a:off x="2600949" y="1361661"/>
+            <a:ext cx="7735425" cy="4815302"/>
+          </a:xfrm>
+          <a:prstGeom prst="rect">
+            <a:avLst/>
+          </a:prstGeom>
+          <a:noFill/>
+        </p:spPr>
+      </p:pic>
+    </p:spTree>
+    <p:extLst>
+      <p:ext uri="{BB962C8B-B14F-4D97-AF65-F5344CB8AC3E}">
+        <p14:creationId xmlns:p14="http://schemas.microsoft.com/office/powerpoint/2010/main" val="2540720194"/>
+      </p:ext>
+    </p:extLst>
+  </p:cSld>
+  <p:clrMapOvr>
+    <a:masterClrMapping/>
+  </p:clrMapOvr>
+</p:sld>
+</file>
+
+<file path=ppt/slides/slide11.xml><?xml version="1.0" encoding="utf-8"?>
+<p:sld xmlns:a="http://schemas.openxmlformats.org/drawingml/2006/main" xmlns:r="http://schemas.openxmlformats.org/officeDocument/2006/relationships" xmlns:p="http://schemas.openxmlformats.org/presentationml/2006/main">
+  <p:cSld>
+    <p:spTree>
+      <p:nvGrpSpPr>
+        <p:cNvPr id="1" name=""/>
+        <p:cNvGrpSpPr/>
+        <p:nvPr/>
+      </p:nvGrpSpPr>
+      <p:grpSpPr>
+        <a:xfrm>
+          <a:off x="0" y="0"/>
+          <a:ext cx="0" cy="0"/>
+          <a:chOff x="0" y="0"/>
+          <a:chExt cx="0" cy="0"/>
+        </a:xfrm>
+      </p:grpSpPr>
+      <p:sp>
+        <p:nvSpPr>
+          <p:cNvPr id="2" name="Title 1">
+            <a:extLst>
+              <a:ext uri="{FF2B5EF4-FFF2-40B4-BE49-F238E27FC236}">
+                <a16:creationId xmlns:a16="http://schemas.microsoft.com/office/drawing/2014/main" id="{C72963D8-FAF9-BB9E-6358-58A6CB41570C}"/>
+              </a:ext>
+            </a:extLst>
+          </p:cNvPr>
+          <p:cNvSpPr>
+            <a:spLocks noGrp="1"/>
+          </p:cNvSpPr>
+          <p:nvPr>
+            <p:ph type="title"/>
+          </p:nvPr>
+        </p:nvSpPr>
+        <p:spPr>
+          <a:xfrm>
+            <a:off x="838200" y="365129"/>
+            <a:ext cx="10515600" cy="1325563"/>
+          </a:xfrm>
+        </p:spPr>
+        <p:txBody>
+          <a:bodyPr anchor="ctr">
+            <a:normAutofit/>
+          </a:bodyPr>
+          <a:lstStyle/>
+          <a:p>
+            <a:r>
+              <a:rPr lang="en-US" dirty="0"/>
+              <a:t>Residual Plot</a:t>
+            </a:r>
+          </a:p>
+        </p:txBody>
+      </p:sp>
+      <p:pic>
+        <p:nvPicPr>
+          <p:cNvPr id="4" name="Picture 3">
+            <a:extLst>
+              <a:ext uri="{FF2B5EF4-FFF2-40B4-BE49-F238E27FC236}">
+                <a16:creationId xmlns:a16="http://schemas.microsoft.com/office/drawing/2014/main" id="{A33E3DB0-B923-C797-F335-28924679CA81}"/>
+              </a:ext>
+            </a:extLst>
+          </p:cNvPr>
+          <p:cNvPicPr>
+            <a:picLocks noChangeAspect="1"/>
+          </p:cNvPicPr>
+          <p:nvPr/>
+        </p:nvPicPr>
+        <p:blipFill>
+          <a:blip r:embed="rId2"/>
+          <a:stretch>
+            <a:fillRect/>
+          </a:stretch>
+        </p:blipFill>
+        <p:spPr>
+          <a:xfrm>
+            <a:off x="2586857" y="1272209"/>
+            <a:ext cx="7910892" cy="4904754"/>
+          </a:xfrm>
+          <a:prstGeom prst="rect">
+            <a:avLst/>
+          </a:prstGeom>
+          <a:noFill/>
+        </p:spPr>
+      </p:pic>
+    </p:spTree>
+    <p:extLst>
+      <p:ext uri="{BB962C8B-B14F-4D97-AF65-F5344CB8AC3E}">
+        <p14:creationId xmlns:p14="http://schemas.microsoft.com/office/powerpoint/2010/main" val="2746626455"/>
+      </p:ext>
+    </p:extLst>
+  </p:cSld>
+  <p:clrMapOvr>
+    <a:masterClrMapping/>
+  </p:clrMapOvr>
+</p:sld>
+</file>
+
+<file path=ppt/slides/slide12.xml><?xml version="1.0" encoding="utf-8"?>
+<p:sld xmlns:a="http://schemas.openxmlformats.org/drawingml/2006/main" xmlns:r="http://schemas.openxmlformats.org/officeDocument/2006/relationships" xmlns:p="http://schemas.openxmlformats.org/presentationml/2006/main">
+  <p:cSld>
+    <p:spTree>
+      <p:nvGrpSpPr>
+        <p:cNvPr id="1" name=""/>
+        <p:cNvGrpSpPr/>
+        <p:nvPr/>
+      </p:nvGrpSpPr>
+      <p:grpSpPr>
+        <a:xfrm>
+          <a:off x="0" y="0"/>
+          <a:ext cx="0" cy="0"/>
+          <a:chOff x="0" y="0"/>
+          <a:chExt cx="0" cy="0"/>
+        </a:xfrm>
+      </p:grpSpPr>
+      <p:sp>
+        <p:nvSpPr>
+          <p:cNvPr id="2" name="Title 1">
+            <a:extLst>
+              <a:ext uri="{FF2B5EF4-FFF2-40B4-BE49-F238E27FC236}">
                 <a16:creationId xmlns:a16="http://schemas.microsoft.com/office/drawing/2014/main" id="{9CA3363A-A17E-1570-7173-2FF8895E4AB0}"/>
               </a:ext>
             </a:extLst>
@@ -9826,7 +10073,7 @@
 </p:sld>
 </file>
 
-<file path=ppt/slides/slide11.xml><?xml version="1.0" encoding="utf-8"?>
+<file path=ppt/slides/slide13.xml><?xml version="1.0" encoding="utf-8"?>
 <p:sld xmlns:a="http://schemas.openxmlformats.org/drawingml/2006/main" xmlns:r="http://schemas.openxmlformats.org/officeDocument/2006/relationships" xmlns:p="http://schemas.openxmlformats.org/presentationml/2006/main">
   <p:cSld>
     <p:spTree>
@@ -9949,7 +10196,7 @@
 </p:sld>
 </file>
 
-<file path=ppt/slides/slide12.xml><?xml version="1.0" encoding="utf-8"?>
+<file path=ppt/slides/slide14.xml><?xml version="1.0" encoding="utf-8"?>
 <p:sld xmlns:a="http://schemas.openxmlformats.org/drawingml/2006/main" xmlns:r="http://schemas.openxmlformats.org/officeDocument/2006/relationships" xmlns:p="http://schemas.openxmlformats.org/presentationml/2006/main">
   <p:cSld>
     <p:spTree>
@@ -10091,7 +10338,7 @@
 </p:sld>
 </file>
 
-<file path=ppt/slides/slide13.xml><?xml version="1.0" encoding="utf-8"?>
+<file path=ppt/slides/slide15.xml><?xml version="1.0" encoding="utf-8"?>
 <p:sld xmlns:a="http://schemas.openxmlformats.org/drawingml/2006/main" xmlns:r="http://schemas.openxmlformats.org/officeDocument/2006/relationships" xmlns:p="http://schemas.openxmlformats.org/presentationml/2006/main">
   <p:cSld>
     <p:spTree>
@@ -10209,7 +10456,7 @@
 </p:sld>
 </file>
 
-<file path=ppt/slides/slide14.xml><?xml version="1.0" encoding="utf-8"?>
+<file path=ppt/slides/slide16.xml><?xml version="1.0" encoding="utf-8"?>
 <p:sld xmlns:a="http://schemas.openxmlformats.org/drawingml/2006/main" xmlns:r="http://schemas.openxmlformats.org/officeDocument/2006/relationships" xmlns:p="http://schemas.openxmlformats.org/presentationml/2006/main">
   <p:cSld>
     <p:spTree>
@@ -11052,19 +11299,19 @@
         </p:nvSpPr>
         <p:spPr>
           <a:xfrm>
-            <a:off x="839789" y="152400"/>
-            <a:ext cx="6172200" cy="749304"/>
+            <a:off x="839787" y="152400"/>
+            <a:ext cx="7488135" cy="749304"/>
           </a:xfrm>
         </p:spPr>
         <p:txBody>
           <a:bodyPr anchor="b">
-            <a:normAutofit/>
+            <a:normAutofit fontScale="90000"/>
           </a:bodyPr>
           <a:lstStyle/>
           <a:p>
             <a:r>
               <a:rPr lang="en-US" sz="3200" dirty="0"/>
-              <a:t>Methods</a:t>
+              <a:t>Methods for Linear and Logistic Regression</a:t>
             </a:r>
           </a:p>
         </p:txBody>
@@ -11085,7 +11332,7 @@
             <p:ph idx="1"/>
             <p:extLst>
               <p:ext uri="{D42A27DB-BD31-4B8C-83A1-F6EECF244321}">
-                <p14:modId xmlns:p14="http://schemas.microsoft.com/office/powerpoint/2010/main" val="3110909153"/>
+                <p14:modId xmlns:p14="http://schemas.microsoft.com/office/powerpoint/2010/main" val="2757980110"/>
               </p:ext>
             </p:extLst>
           </p:nvPr>
@@ -11183,7 +11430,7 @@
           <a:p>
             <a:r>
               <a:rPr lang="en-US" sz="2800" dirty="0"/>
-              <a:t>Best Classification: Random Forest Classification</a:t>
+              <a:t>Logistic: Best Classification: Random Forest Classification</a:t>
             </a:r>
           </a:p>
           <a:p>
@@ -11202,12 +11449,28 @@
             </a:r>
           </a:p>
           <a:p>
+            <a:pPr>
+              <a:buFontTx/>
+              <a:buChar char="-"/>
+            </a:pPr>
+            <a:r>
+              <a:rPr lang="en-US" sz="2800" dirty="0"/>
+              <a:t>Stable support</a:t>
+            </a:r>
+          </a:p>
+          <a:p>
+            <a:r>
+              <a:rPr lang="en-US" sz="2800" dirty="0"/>
+              <a:t>Linear: BMI Residual Prediction</a:t>
+            </a:r>
+          </a:p>
+          <a:p>
             <a:pPr marL="0" indent="0">
               <a:buNone/>
             </a:pPr>
             <a:r>
               <a:rPr lang="en-US" sz="2800" dirty="0"/>
-              <a:t>- Stable support</a:t>
+              <a:t>- Highest R^2 value and lower RMSE</a:t>
             </a:r>
           </a:p>
         </p:txBody>
